--- a/E L A02 CAREER INTELLIGENCE_DEMOSTRATION PPT.pptx
+++ b/E L A02 CAREER INTELLIGENCE_DEMOSTRATION PPT.pptx
@@ -137,7 +137,7 @@
   <pc:docChgLst>
     <pc:chgData name="Vidhi Chetankumar MODI77" userId="739dd479-f9a6-4cde-97cb-b986940b3184" providerId="ADAL" clId="{8E62F4F0-71EE-4DEA-A10E-2F71BDA8F373}"/>
     <pc:docChg chg="undo custSel addSld modSld sldOrd">
-      <pc:chgData name="Vidhi Chetankumar MODI77" userId="739dd479-f9a6-4cde-97cb-b986940b3184" providerId="ADAL" clId="{8E62F4F0-71EE-4DEA-A10E-2F71BDA8F373}" dt="2022-05-10T00:30:38.384" v="728" actId="20577"/>
+      <pc:chgData name="Vidhi Chetankumar MODI77" userId="739dd479-f9a6-4cde-97cb-b986940b3184" providerId="ADAL" clId="{8E62F4F0-71EE-4DEA-A10E-2F71BDA8F373}" dt="2022-05-12T03:12:26.572" v="858" actId="1076"/>
       <pc:docMkLst>
         <pc:docMk/>
       </pc:docMkLst>
@@ -195,22 +195,118 @@
           </ac:spMkLst>
         </pc:spChg>
       </pc:sldChg>
-      <pc:sldChg chg="modSp mod">
-        <pc:chgData name="Vidhi Chetankumar MODI77" userId="739dd479-f9a6-4cde-97cb-b986940b3184" providerId="ADAL" clId="{8E62F4F0-71EE-4DEA-A10E-2F71BDA8F373}" dt="2022-05-09T23:27:06.427" v="510" actId="1076"/>
+      <pc:sldChg chg="addSp delSp modSp mod setBg">
+        <pc:chgData name="Vidhi Chetankumar MODI77" userId="739dd479-f9a6-4cde-97cb-b986940b3184" providerId="ADAL" clId="{8E62F4F0-71EE-4DEA-A10E-2F71BDA8F373}" dt="2022-05-12T03:12:26.572" v="858" actId="1076"/>
         <pc:sldMkLst>
           <pc:docMk/>
           <pc:sldMk cId="2849020032" sldId="258"/>
         </pc:sldMkLst>
-        <pc:spChg chg="mod">
-          <ac:chgData name="Vidhi Chetankumar MODI77" userId="739dd479-f9a6-4cde-97cb-b986940b3184" providerId="ADAL" clId="{8E62F4F0-71EE-4DEA-A10E-2F71BDA8F373}" dt="2022-05-09T23:26:48.429" v="505" actId="255"/>
+        <pc:spChg chg="mod ord">
+          <ac:chgData name="Vidhi Chetankumar MODI77" userId="739dd479-f9a6-4cde-97cb-b986940b3184" providerId="ADAL" clId="{8E62F4F0-71EE-4DEA-A10E-2F71BDA8F373}" dt="2022-05-12T03:12:20.785" v="857" actId="26606"/>
           <ac:spMkLst>
             <pc:docMk/>
             <pc:sldMk cId="2849020032" sldId="258"/>
             <ac:spMk id="8" creationId="{F4826745-26BA-3A9F-A971-9C842EE64B48}"/>
           </ac:spMkLst>
         </pc:spChg>
-        <pc:picChg chg="mod">
-          <ac:chgData name="Vidhi Chetankumar MODI77" userId="739dd479-f9a6-4cde-97cb-b986940b3184" providerId="ADAL" clId="{8E62F4F0-71EE-4DEA-A10E-2F71BDA8F373}" dt="2022-05-09T23:27:06.427" v="510" actId="1076"/>
+        <pc:spChg chg="add del">
+          <ac:chgData name="Vidhi Chetankumar MODI77" userId="739dd479-f9a6-4cde-97cb-b986940b3184" providerId="ADAL" clId="{8E62F4F0-71EE-4DEA-A10E-2F71BDA8F373}" dt="2022-05-12T03:11:40.566" v="849" actId="26606"/>
+          <ac:spMkLst>
+            <pc:docMk/>
+            <pc:sldMk cId="2849020032" sldId="258"/>
+            <ac:spMk id="13" creationId="{C232B152-3720-4D3B-97ED-45CE5483F16F}"/>
+          </ac:spMkLst>
+        </pc:spChg>
+        <pc:spChg chg="add del">
+          <ac:chgData name="Vidhi Chetankumar MODI77" userId="739dd479-f9a6-4cde-97cb-b986940b3184" providerId="ADAL" clId="{8E62F4F0-71EE-4DEA-A10E-2F71BDA8F373}" dt="2022-05-12T03:11:40.566" v="849" actId="26606"/>
+          <ac:spMkLst>
+            <pc:docMk/>
+            <pc:sldMk cId="2849020032" sldId="258"/>
+            <ac:spMk id="15" creationId="{11BAB570-FF10-4E96-8A3F-FA9804702B89}"/>
+          </ac:spMkLst>
+        </pc:spChg>
+        <pc:spChg chg="add del">
+          <ac:chgData name="Vidhi Chetankumar MODI77" userId="739dd479-f9a6-4cde-97cb-b986940b3184" providerId="ADAL" clId="{8E62F4F0-71EE-4DEA-A10E-2F71BDA8F373}" dt="2022-05-12T03:11:40.566" v="849" actId="26606"/>
+          <ac:spMkLst>
+            <pc:docMk/>
+            <pc:sldMk cId="2849020032" sldId="258"/>
+            <ac:spMk id="17" creationId="{4B9FAFB2-BEB5-4848-8018-BCAD99E2E1AA}"/>
+          </ac:spMkLst>
+        </pc:spChg>
+        <pc:spChg chg="add del">
+          <ac:chgData name="Vidhi Chetankumar MODI77" userId="739dd479-f9a6-4cde-97cb-b986940b3184" providerId="ADAL" clId="{8E62F4F0-71EE-4DEA-A10E-2F71BDA8F373}" dt="2022-05-12T03:11:43.480" v="851" actId="26606"/>
+          <ac:spMkLst>
+            <pc:docMk/>
+            <pc:sldMk cId="2849020032" sldId="258"/>
+            <ac:spMk id="19" creationId="{2B97F24A-32CE-4C1C-A50D-3016B394DCFB}"/>
+          </ac:spMkLst>
+        </pc:spChg>
+        <pc:spChg chg="add del">
+          <ac:chgData name="Vidhi Chetankumar MODI77" userId="739dd479-f9a6-4cde-97cb-b986940b3184" providerId="ADAL" clId="{8E62F4F0-71EE-4DEA-A10E-2F71BDA8F373}" dt="2022-05-12T03:11:43.480" v="851" actId="26606"/>
+          <ac:spMkLst>
+            <pc:docMk/>
+            <pc:sldMk cId="2849020032" sldId="258"/>
+            <ac:spMk id="20" creationId="{6357EC4F-235E-4222-A36F-C7878ACE37F2}"/>
+          </ac:spMkLst>
+        </pc:spChg>
+        <pc:spChg chg="add del">
+          <ac:chgData name="Vidhi Chetankumar MODI77" userId="739dd479-f9a6-4cde-97cb-b986940b3184" providerId="ADAL" clId="{8E62F4F0-71EE-4DEA-A10E-2F71BDA8F373}" dt="2022-05-12T03:11:44.814" v="853" actId="26606"/>
+          <ac:spMkLst>
+            <pc:docMk/>
+            <pc:sldMk cId="2849020032" sldId="258"/>
+            <ac:spMk id="22" creationId="{C232B152-3720-4D3B-97ED-45CE5483F16F}"/>
+          </ac:spMkLst>
+        </pc:spChg>
+        <pc:spChg chg="add del">
+          <ac:chgData name="Vidhi Chetankumar MODI77" userId="739dd479-f9a6-4cde-97cb-b986940b3184" providerId="ADAL" clId="{8E62F4F0-71EE-4DEA-A10E-2F71BDA8F373}" dt="2022-05-12T03:11:44.814" v="853" actId="26606"/>
+          <ac:spMkLst>
+            <pc:docMk/>
+            <pc:sldMk cId="2849020032" sldId="258"/>
+            <ac:spMk id="23" creationId="{11BAB570-FF10-4E96-8A3F-FA9804702B89}"/>
+          </ac:spMkLst>
+        </pc:spChg>
+        <pc:spChg chg="add del">
+          <ac:chgData name="Vidhi Chetankumar MODI77" userId="739dd479-f9a6-4cde-97cb-b986940b3184" providerId="ADAL" clId="{8E62F4F0-71EE-4DEA-A10E-2F71BDA8F373}" dt="2022-05-12T03:11:44.814" v="853" actId="26606"/>
+          <ac:spMkLst>
+            <pc:docMk/>
+            <pc:sldMk cId="2849020032" sldId="258"/>
+            <ac:spMk id="24" creationId="{4B9FAFB2-BEB5-4848-8018-BCAD99E2E1AA}"/>
+          </ac:spMkLst>
+        </pc:spChg>
+        <pc:spChg chg="add del">
+          <ac:chgData name="Vidhi Chetankumar MODI77" userId="739dd479-f9a6-4cde-97cb-b986940b3184" providerId="ADAL" clId="{8E62F4F0-71EE-4DEA-A10E-2F71BDA8F373}" dt="2022-05-12T03:12:20.785" v="857" actId="26606"/>
+          <ac:spMkLst>
+            <pc:docMk/>
+            <pc:sldMk cId="2849020032" sldId="258"/>
+            <ac:spMk id="26" creationId="{5E39A796-BE83-48B1-B33F-35C4A32AAB57}"/>
+          </ac:spMkLst>
+        </pc:spChg>
+        <pc:spChg chg="add del">
+          <ac:chgData name="Vidhi Chetankumar MODI77" userId="739dd479-f9a6-4cde-97cb-b986940b3184" providerId="ADAL" clId="{8E62F4F0-71EE-4DEA-A10E-2F71BDA8F373}" dt="2022-05-12T03:12:20.785" v="857" actId="26606"/>
+          <ac:spMkLst>
+            <pc:docMk/>
+            <pc:sldMk cId="2849020032" sldId="258"/>
+            <ac:spMk id="27" creationId="{72F84B47-E267-4194-8194-831DB7B5547F}"/>
+          </ac:spMkLst>
+        </pc:spChg>
+        <pc:spChg chg="add del">
+          <ac:chgData name="Vidhi Chetankumar MODI77" userId="739dd479-f9a6-4cde-97cb-b986940b3184" providerId="ADAL" clId="{8E62F4F0-71EE-4DEA-A10E-2F71BDA8F373}" dt="2022-05-12T03:12:20.387" v="856" actId="26606"/>
+          <ac:spMkLst>
+            <pc:docMk/>
+            <pc:sldMk cId="2849020032" sldId="258"/>
+            <ac:spMk id="32" creationId="{F5493CFF-E43B-4B10-ACE1-C8A1246629EA}"/>
+          </ac:spMkLst>
+        </pc:spChg>
+        <pc:picChg chg="add mod">
+          <ac:chgData name="Vidhi Chetankumar MODI77" userId="739dd479-f9a6-4cde-97cb-b986940b3184" providerId="ADAL" clId="{8E62F4F0-71EE-4DEA-A10E-2F71BDA8F373}" dt="2022-05-12T03:12:26.572" v="858" actId="1076"/>
+          <ac:picMkLst>
+            <pc:docMk/>
+            <pc:sldMk cId="2849020032" sldId="258"/>
+            <ac:picMk id="3" creationId="{8A7AA29E-FF6C-37EF-60AD-39EB7466BD49}"/>
+          </ac:picMkLst>
+        </pc:picChg>
+        <pc:picChg chg="del mod">
+          <ac:chgData name="Vidhi Chetankumar MODI77" userId="739dd479-f9a6-4cde-97cb-b986940b3184" providerId="ADAL" clId="{8E62F4F0-71EE-4DEA-A10E-2F71BDA8F373}" dt="2022-05-12T03:11:17.581" v="844" actId="478"/>
           <ac:picMkLst>
             <pc:docMk/>
             <pc:sldMk cId="2849020032" sldId="258"/>
@@ -6322,7 +6418,7 @@
           <a:p>
             <a:fld id="{8A50A8CD-3312-4552-B3CC-43E71CF79BA9}" type="datetimeFigureOut">
               <a:rPr lang="en-AU" smtClean="0"/>
-              <a:t>10/05/2022</a:t>
+              <a:t>12/05/2022</a:t>
             </a:fld>
             <a:endParaRPr lang="en-AU"/>
           </a:p>
@@ -6522,7 +6618,7 @@
           <a:p>
             <a:fld id="{8A50A8CD-3312-4552-B3CC-43E71CF79BA9}" type="datetimeFigureOut">
               <a:rPr lang="en-AU" smtClean="0"/>
-              <a:t>10/05/2022</a:t>
+              <a:t>12/05/2022</a:t>
             </a:fld>
             <a:endParaRPr lang="en-AU"/>
           </a:p>
@@ -6732,7 +6828,7 @@
           <a:p>
             <a:fld id="{8A50A8CD-3312-4552-B3CC-43E71CF79BA9}" type="datetimeFigureOut">
               <a:rPr lang="en-AU" smtClean="0"/>
-              <a:t>10/05/2022</a:t>
+              <a:t>12/05/2022</a:t>
             </a:fld>
             <a:endParaRPr lang="en-AU"/>
           </a:p>
@@ -6932,7 +7028,7 @@
           <a:p>
             <a:fld id="{8A50A8CD-3312-4552-B3CC-43E71CF79BA9}" type="datetimeFigureOut">
               <a:rPr lang="en-AU" smtClean="0"/>
-              <a:t>10/05/2022</a:t>
+              <a:t>12/05/2022</a:t>
             </a:fld>
             <a:endParaRPr lang="en-AU"/>
           </a:p>
@@ -7208,7 +7304,7 @@
           <a:p>
             <a:fld id="{8A50A8CD-3312-4552-B3CC-43E71CF79BA9}" type="datetimeFigureOut">
               <a:rPr lang="en-AU" smtClean="0"/>
-              <a:t>10/05/2022</a:t>
+              <a:t>12/05/2022</a:t>
             </a:fld>
             <a:endParaRPr lang="en-AU"/>
           </a:p>
@@ -7476,7 +7572,7 @@
           <a:p>
             <a:fld id="{8A50A8CD-3312-4552-B3CC-43E71CF79BA9}" type="datetimeFigureOut">
               <a:rPr lang="en-AU" smtClean="0"/>
-              <a:t>10/05/2022</a:t>
+              <a:t>12/05/2022</a:t>
             </a:fld>
             <a:endParaRPr lang="en-AU"/>
           </a:p>
@@ -7891,7 +7987,7 @@
           <a:p>
             <a:fld id="{8A50A8CD-3312-4552-B3CC-43E71CF79BA9}" type="datetimeFigureOut">
               <a:rPr lang="en-AU" smtClean="0"/>
-              <a:t>10/05/2022</a:t>
+              <a:t>12/05/2022</a:t>
             </a:fld>
             <a:endParaRPr lang="en-AU"/>
           </a:p>
@@ -8033,7 +8129,7 @@
           <a:p>
             <a:fld id="{8A50A8CD-3312-4552-B3CC-43E71CF79BA9}" type="datetimeFigureOut">
               <a:rPr lang="en-AU" smtClean="0"/>
-              <a:t>10/05/2022</a:t>
+              <a:t>12/05/2022</a:t>
             </a:fld>
             <a:endParaRPr lang="en-AU"/>
           </a:p>
@@ -8146,7 +8242,7 @@
           <a:p>
             <a:fld id="{8A50A8CD-3312-4552-B3CC-43E71CF79BA9}" type="datetimeFigureOut">
               <a:rPr lang="en-AU" smtClean="0"/>
-              <a:t>10/05/2022</a:t>
+              <a:t>12/05/2022</a:t>
             </a:fld>
             <a:endParaRPr lang="en-AU"/>
           </a:p>
@@ -8459,7 +8555,7 @@
           <a:p>
             <a:fld id="{8A50A8CD-3312-4552-B3CC-43E71CF79BA9}" type="datetimeFigureOut">
               <a:rPr lang="en-AU" smtClean="0"/>
-              <a:t>10/05/2022</a:t>
+              <a:t>12/05/2022</a:t>
             </a:fld>
             <a:endParaRPr lang="en-AU"/>
           </a:p>
@@ -8748,7 +8844,7 @@
           <a:p>
             <a:fld id="{8A50A8CD-3312-4552-B3CC-43E71CF79BA9}" type="datetimeFigureOut">
               <a:rPr lang="en-AU" smtClean="0"/>
-              <a:t>10/05/2022</a:t>
+              <a:t>12/05/2022</a:t>
             </a:fld>
             <a:endParaRPr lang="en-AU"/>
           </a:p>
@@ -8991,7 +9087,7 @@
           <a:p>
             <a:fld id="{8A50A8CD-3312-4552-B3CC-43E71CF79BA9}" type="datetimeFigureOut">
               <a:rPr lang="en-AU" smtClean="0"/>
-              <a:t>10/05/2022</a:t>
+              <a:t>12/05/2022</a:t>
             </a:fld>
             <a:endParaRPr lang="en-AU"/>
           </a:p>
@@ -15164,7 +15260,7 @@
         <p:spPr>
           <a:xfrm>
             <a:off x="208449" y="567663"/>
-            <a:ext cx="4913796" cy="6586418"/>
+            <a:ext cx="4913796" cy="5570756"/>
           </a:xfrm>
           <a:prstGeom prst="rect">
             <a:avLst/>
@@ -15226,7 +15322,7 @@
           <a:p>
             <a:r>
               <a:rPr lang="en-AU" sz="2200" dirty="0"/>
-              <a:t>Personalize yourself </a:t>
+              <a:t>Provide Personalize Information </a:t>
             </a:r>
             <a:br>
               <a:rPr lang="en-AU" sz="2200" dirty="0"/>
@@ -15236,17 +15332,7 @@
             </a:br>
             <a:r>
               <a:rPr lang="en-AU" sz="2200" dirty="0"/>
-              <a:t>Tailor the experience of web content and accessories like a template </a:t>
-            </a:r>
-            <a:br>
-              <a:rPr lang="en-AU" sz="2200" dirty="0"/>
-            </a:br>
-            <a:endParaRPr lang="en-AU" sz="2200" dirty="0"/>
-          </a:p>
-          <a:p>
-            <a:r>
-              <a:rPr lang="en-AU" sz="2200" dirty="0"/>
-              <a:t>It allows the user to develop the cv interactively. </a:t>
+              <a:t>So that the user can save his CV and information in his profile.</a:t>
             </a:r>
           </a:p>
           <a:p>
@@ -15265,10 +15351,10 @@
       </p:sp>
       <p:pic>
         <p:nvPicPr>
-          <p:cNvPr id="12" name="Picture 11" descr="Graphical user interface, application&#10;&#10;Description automatically generated">
+          <p:cNvPr id="3" name="Picture 2">
             <a:extLst>
               <a:ext uri="{FF2B5EF4-FFF2-40B4-BE49-F238E27FC236}">
-                <a16:creationId xmlns:a16="http://schemas.microsoft.com/office/drawing/2014/main" id="{F77370C7-56A6-AC49-3940-3C537C12167A}"/>
+                <a16:creationId xmlns:a16="http://schemas.microsoft.com/office/drawing/2014/main" id="{8A7AA29E-FF6C-37EF-60AD-39EB7466BD49}"/>
               </a:ext>
             </a:extLst>
           </p:cNvPr>
@@ -15278,21 +15364,15 @@
           <p:nvPr/>
         </p:nvPicPr>
         <p:blipFill>
-          <a:blip r:embed="rId2">
-            <a:extLst>
-              <a:ext uri="{28A0092B-C50C-407E-A947-70E740481C1C}">
-                <a14:useLocalDpi xmlns:a14="http://schemas.microsoft.com/office/drawing/2010/main" val="0"/>
-              </a:ext>
-            </a:extLst>
-          </a:blip>
+          <a:blip r:embed="rId2"/>
           <a:stretch>
             <a:fillRect/>
           </a:stretch>
         </p:blipFill>
         <p:spPr>
           <a:xfrm>
-            <a:off x="6197601" y="1005840"/>
-            <a:ext cx="5074752" cy="4846320"/>
+            <a:off x="5715000" y="590304"/>
+            <a:ext cx="6268551" cy="5677392"/>
           </a:xfrm>
           <a:prstGeom prst="rect">
             <a:avLst/>
